--- a/color.pptx
+++ b/color.pptx
@@ -3039,7 +3039,7 @@
           <p:nvPr>
             <p:extLst>
               <p:ext uri="{D42A27DB-BD31-4B8C-83A1-F6EECF244321}">
-                <p14:modId xmlns:p14="http://schemas.microsoft.com/office/powerpoint/2010/main" val="671345256"/>
+                <p14:modId xmlns:p14="http://schemas.microsoft.com/office/powerpoint/2010/main" val="2181464991"/>
               </p:ext>
             </p:extLst>
           </p:nvPr>
@@ -3133,7 +3133,7 @@
                   </a:txBody>
                   <a:tcPr>
                     <a:solidFill>
-                      <a:srgbClr val="FFFFFF"/>
+                      <a:srgbClr val="004394"/>
                     </a:solidFill>
                   </a:tcPr>
                 </a:tc>
@@ -3174,7 +3174,7 @@
         </p:blipFill>
         <p:spPr bwMode="auto">
           <a:xfrm>
-            <a:off x="0" y="1742617"/>
+            <a:off x="0" y="1856440"/>
             <a:ext cx="2473522" cy="2473522"/>
           </a:xfrm>
           <a:prstGeom prst="rect">
@@ -3201,7 +3201,7 @@
           <p:nvPr>
             <p:extLst>
               <p:ext uri="{D42A27DB-BD31-4B8C-83A1-F6EECF244321}">
-                <p14:modId xmlns:p14="http://schemas.microsoft.com/office/powerpoint/2010/main" val="311557012"/>
+                <p14:modId xmlns:p14="http://schemas.microsoft.com/office/powerpoint/2010/main" val="386771791"/>
               </p:ext>
             </p:extLst>
           </p:nvPr>
@@ -3235,7 +3235,7 @@
                   </a:txBody>
                   <a:tcPr>
                     <a:solidFill>
-                      <a:srgbClr val="EB1E25"/>
+                      <a:srgbClr val="E33840"/>
                     </a:solidFill>
                   </a:tcPr>
                 </a:tc>
@@ -3349,7 +3349,7 @@
         </p:blipFill>
         <p:spPr bwMode="auto">
           <a:xfrm>
-            <a:off x="568014" y="3645063"/>
+            <a:off x="703852" y="3589351"/>
             <a:ext cx="2597051" cy="2597051"/>
           </a:xfrm>
           <a:prstGeom prst="rect">
@@ -3563,7 +3563,7 @@
         </p:blipFill>
         <p:spPr bwMode="auto">
           <a:xfrm>
-            <a:off x="176752" y="4460483"/>
+            <a:off x="-198091" y="4154926"/>
             <a:ext cx="2031476" cy="2031476"/>
           </a:xfrm>
           <a:prstGeom prst="rect">
@@ -3637,8 +3637,49 @@
         </p:blipFill>
         <p:spPr bwMode="auto">
           <a:xfrm>
-            <a:off x="-71004" y="5168703"/>
+            <a:off x="-131778" y="5186740"/>
             <a:ext cx="1671260" cy="1671260"/>
+          </a:xfrm>
+          <a:prstGeom prst="rect">
+            <a:avLst/>
+          </a:prstGeom>
+          <a:noFill/>
+          <a:extLst>
+            <a:ext uri="{909E8E84-426E-40DD-AFC4-6F175D3DCCD1}">
+              <a14:hiddenFill xmlns:a14="http://schemas.microsoft.com/office/drawing/2010/main">
+                <a:solidFill>
+                  <a:srgbClr val="FFFFFF"/>
+                </a:solidFill>
+              </a14:hiddenFill>
+            </a:ext>
+          </a:extLst>
+        </p:spPr>
+      </p:pic>
+      <p:pic>
+        <p:nvPicPr>
+          <p:cNvPr id="2" name="Picture 2" descr="http://cdn.ekn.kr/data/photos/cdn/20170525/2017051801000705500029531.jpg"/>
+          <p:cNvPicPr>
+            <a:picLocks noChangeAspect="1" noChangeArrowheads="1"/>
+          </p:cNvPicPr>
+          <p:nvPr/>
+        </p:nvPicPr>
+        <p:blipFill>
+          <a:blip r:embed="rId12">
+            <a:extLst>
+              <a:ext uri="{28A0092B-C50C-407E-A947-70E740481C1C}">
+                <a14:useLocalDpi xmlns:a14="http://schemas.microsoft.com/office/drawing/2010/main" val="0"/>
+              </a:ext>
+            </a:extLst>
+          </a:blip>
+          <a:srcRect/>
+          <a:stretch>
+            <a:fillRect/>
+          </a:stretch>
+        </p:blipFill>
+        <p:spPr bwMode="auto">
+          <a:xfrm>
+            <a:off x="8876242" y="1585786"/>
+            <a:ext cx="2782358" cy="700743"/>
           </a:xfrm>
           <a:prstGeom prst="rect">
             <a:avLst/>

--- a/color.pptx
+++ b/color.pptx
@@ -254,7 +254,7 @@
           <a:p>
             <a:fld id="{43FAA443-3CA6-41F0-B76A-76D7FA8F6A76}" type="datetimeFigureOut">
               <a:rPr lang="ko-KR" altLang="en-US" smtClean="0"/>
-              <a:t>2017-05-29</a:t>
+              <a:t>2017-06-02</a:t>
             </a:fld>
             <a:endParaRPr lang="ko-KR" altLang="en-US"/>
           </a:p>
@@ -424,7 +424,7 @@
           <a:p>
             <a:fld id="{43FAA443-3CA6-41F0-B76A-76D7FA8F6A76}" type="datetimeFigureOut">
               <a:rPr lang="ko-KR" altLang="en-US" smtClean="0"/>
-              <a:t>2017-05-29</a:t>
+              <a:t>2017-06-02</a:t>
             </a:fld>
             <a:endParaRPr lang="ko-KR" altLang="en-US"/>
           </a:p>
@@ -604,7 +604,7 @@
           <a:p>
             <a:fld id="{43FAA443-3CA6-41F0-B76A-76D7FA8F6A76}" type="datetimeFigureOut">
               <a:rPr lang="ko-KR" altLang="en-US" smtClean="0"/>
-              <a:t>2017-05-29</a:t>
+              <a:t>2017-06-02</a:t>
             </a:fld>
             <a:endParaRPr lang="ko-KR" altLang="en-US"/>
           </a:p>
@@ -774,7 +774,7 @@
           <a:p>
             <a:fld id="{43FAA443-3CA6-41F0-B76A-76D7FA8F6A76}" type="datetimeFigureOut">
               <a:rPr lang="ko-KR" altLang="en-US" smtClean="0"/>
-              <a:t>2017-05-29</a:t>
+              <a:t>2017-06-02</a:t>
             </a:fld>
             <a:endParaRPr lang="ko-KR" altLang="en-US"/>
           </a:p>
@@ -1020,7 +1020,7 @@
           <a:p>
             <a:fld id="{43FAA443-3CA6-41F0-B76A-76D7FA8F6A76}" type="datetimeFigureOut">
               <a:rPr lang="ko-KR" altLang="en-US" smtClean="0"/>
-              <a:t>2017-05-29</a:t>
+              <a:t>2017-06-02</a:t>
             </a:fld>
             <a:endParaRPr lang="ko-KR" altLang="en-US"/>
           </a:p>
@@ -1252,7 +1252,7 @@
           <a:p>
             <a:fld id="{43FAA443-3CA6-41F0-B76A-76D7FA8F6A76}" type="datetimeFigureOut">
               <a:rPr lang="ko-KR" altLang="en-US" smtClean="0"/>
-              <a:t>2017-05-29</a:t>
+              <a:t>2017-06-02</a:t>
             </a:fld>
             <a:endParaRPr lang="ko-KR" altLang="en-US"/>
           </a:p>
@@ -1619,7 +1619,7 @@
           <a:p>
             <a:fld id="{43FAA443-3CA6-41F0-B76A-76D7FA8F6A76}" type="datetimeFigureOut">
               <a:rPr lang="ko-KR" altLang="en-US" smtClean="0"/>
-              <a:t>2017-05-29</a:t>
+              <a:t>2017-06-02</a:t>
             </a:fld>
             <a:endParaRPr lang="ko-KR" altLang="en-US"/>
           </a:p>
@@ -1737,7 +1737,7 @@
           <a:p>
             <a:fld id="{43FAA443-3CA6-41F0-B76A-76D7FA8F6A76}" type="datetimeFigureOut">
               <a:rPr lang="ko-KR" altLang="en-US" smtClean="0"/>
-              <a:t>2017-05-29</a:t>
+              <a:t>2017-06-02</a:t>
             </a:fld>
             <a:endParaRPr lang="ko-KR" altLang="en-US"/>
           </a:p>
@@ -1832,7 +1832,7 @@
           <a:p>
             <a:fld id="{43FAA443-3CA6-41F0-B76A-76D7FA8F6A76}" type="datetimeFigureOut">
               <a:rPr lang="ko-KR" altLang="en-US" smtClean="0"/>
-              <a:t>2017-05-29</a:t>
+              <a:t>2017-06-02</a:t>
             </a:fld>
             <a:endParaRPr lang="ko-KR" altLang="en-US"/>
           </a:p>
@@ -2109,7 +2109,7 @@
           <a:p>
             <a:fld id="{43FAA443-3CA6-41F0-B76A-76D7FA8F6A76}" type="datetimeFigureOut">
               <a:rPr lang="ko-KR" altLang="en-US" smtClean="0"/>
-              <a:t>2017-05-29</a:t>
+              <a:t>2017-06-02</a:t>
             </a:fld>
             <a:endParaRPr lang="ko-KR" altLang="en-US"/>
           </a:p>
@@ -2362,7 +2362,7 @@
           <a:p>
             <a:fld id="{43FAA443-3CA6-41F0-B76A-76D7FA8F6A76}" type="datetimeFigureOut">
               <a:rPr lang="ko-KR" altLang="en-US" smtClean="0"/>
-              <a:t>2017-05-29</a:t>
+              <a:t>2017-06-02</a:t>
             </a:fld>
             <a:endParaRPr lang="ko-KR" altLang="en-US"/>
           </a:p>
@@ -2575,7 +2575,7 @@
           <a:p>
             <a:fld id="{43FAA443-3CA6-41F0-B76A-76D7FA8F6A76}" type="datetimeFigureOut">
               <a:rPr lang="ko-KR" altLang="en-US" smtClean="0"/>
-              <a:t>2017-05-29</a:t>
+              <a:t>2017-06-02</a:t>
             </a:fld>
             <a:endParaRPr lang="ko-KR" altLang="en-US"/>
           </a:p>
@@ -3039,7 +3039,7 @@
           <p:nvPr>
             <p:extLst>
               <p:ext uri="{D42A27DB-BD31-4B8C-83A1-F6EECF244321}">
-                <p14:modId xmlns:p14="http://schemas.microsoft.com/office/powerpoint/2010/main" val="2181464991"/>
+                <p14:modId xmlns:p14="http://schemas.microsoft.com/office/powerpoint/2010/main" val="2388148256"/>
               </p:ext>
             </p:extLst>
           </p:nvPr>
@@ -3068,6 +3068,10 @@
                     <a:lstStyle/>
                     <a:p>
                       <a:pPr latinLnBrk="1"/>
+                      <a:r>
+                        <a:rPr lang="en-US" altLang="ko-KR" dirty="0" smtClean="0"/>
+                        <a:t>EB1E25</a:t>
+                      </a:r>
                       <a:endParaRPr lang="ko-KR" altLang="en-US" dirty="0"/>
                     </a:p>
                   </a:txBody>
@@ -3083,6 +3087,10 @@
                     <a:lstStyle/>
                     <a:p>
                       <a:pPr latinLnBrk="1"/>
+                      <a:r>
+                        <a:rPr lang="en-US" altLang="ko-KR" dirty="0" smtClean="0"/>
+                        <a:t>#FEF04A</a:t>
+                      </a:r>
                       <a:endParaRPr lang="ko-KR" altLang="en-US" dirty="0"/>
                     </a:p>
                   </a:txBody>
@@ -3201,7 +3209,7 @@
           <p:nvPr>
             <p:extLst>
               <p:ext uri="{D42A27DB-BD31-4B8C-83A1-F6EECF244321}">
-                <p14:modId xmlns:p14="http://schemas.microsoft.com/office/powerpoint/2010/main" val="386771791"/>
+                <p14:modId xmlns:p14="http://schemas.microsoft.com/office/powerpoint/2010/main" val="1244913628"/>
               </p:ext>
             </p:extLst>
           </p:nvPr>
@@ -3230,6 +3238,10 @@
                     <a:lstStyle/>
                     <a:p>
                       <a:pPr latinLnBrk="1"/>
+                      <a:r>
+                        <a:rPr lang="en-US" altLang="ko-KR" dirty="0" smtClean="0"/>
+                        <a:t>E33840</a:t>
+                      </a:r>
                       <a:endParaRPr lang="ko-KR" altLang="en-US" dirty="0"/>
                     </a:p>
                   </a:txBody>
@@ -3245,12 +3257,16 @@
                     <a:lstStyle/>
                     <a:p>
                       <a:pPr latinLnBrk="1"/>
+                      <a:r>
+                        <a:rPr lang="en-US" altLang="ko-KR" dirty="0" smtClean="0"/>
+                        <a:t>FBEC01</a:t>
+                      </a:r>
                       <a:endParaRPr lang="ko-KR" altLang="en-US" dirty="0"/>
                     </a:p>
                   </a:txBody>
                   <a:tcPr>
                     <a:solidFill>
-                      <a:srgbClr val="FEF04A"/>
+                      <a:srgbClr val="FBEC01"/>
                     </a:solidFill>
                   </a:tcPr>
                 </a:tc>

--- a/color.pptx
+++ b/color.pptx
@@ -254,7 +254,7 @@
           <a:p>
             <a:fld id="{43FAA443-3CA6-41F0-B76A-76D7FA8F6A76}" type="datetimeFigureOut">
               <a:rPr lang="ko-KR" altLang="en-US" smtClean="0"/>
-              <a:t>2017-06-02</a:t>
+              <a:t>2017-06-13</a:t>
             </a:fld>
             <a:endParaRPr lang="ko-KR" altLang="en-US"/>
           </a:p>
@@ -424,7 +424,7 @@
           <a:p>
             <a:fld id="{43FAA443-3CA6-41F0-B76A-76D7FA8F6A76}" type="datetimeFigureOut">
               <a:rPr lang="ko-KR" altLang="en-US" smtClean="0"/>
-              <a:t>2017-06-02</a:t>
+              <a:t>2017-06-13</a:t>
             </a:fld>
             <a:endParaRPr lang="ko-KR" altLang="en-US"/>
           </a:p>
@@ -604,7 +604,7 @@
           <a:p>
             <a:fld id="{43FAA443-3CA6-41F0-B76A-76D7FA8F6A76}" type="datetimeFigureOut">
               <a:rPr lang="ko-KR" altLang="en-US" smtClean="0"/>
-              <a:t>2017-06-02</a:t>
+              <a:t>2017-06-13</a:t>
             </a:fld>
             <a:endParaRPr lang="ko-KR" altLang="en-US"/>
           </a:p>
@@ -774,7 +774,7 @@
           <a:p>
             <a:fld id="{43FAA443-3CA6-41F0-B76A-76D7FA8F6A76}" type="datetimeFigureOut">
               <a:rPr lang="ko-KR" altLang="en-US" smtClean="0"/>
-              <a:t>2017-06-02</a:t>
+              <a:t>2017-06-13</a:t>
             </a:fld>
             <a:endParaRPr lang="ko-KR" altLang="en-US"/>
           </a:p>
@@ -1020,7 +1020,7 @@
           <a:p>
             <a:fld id="{43FAA443-3CA6-41F0-B76A-76D7FA8F6A76}" type="datetimeFigureOut">
               <a:rPr lang="ko-KR" altLang="en-US" smtClean="0"/>
-              <a:t>2017-06-02</a:t>
+              <a:t>2017-06-13</a:t>
             </a:fld>
             <a:endParaRPr lang="ko-KR" altLang="en-US"/>
           </a:p>
@@ -1252,7 +1252,7 @@
           <a:p>
             <a:fld id="{43FAA443-3CA6-41F0-B76A-76D7FA8F6A76}" type="datetimeFigureOut">
               <a:rPr lang="ko-KR" altLang="en-US" smtClean="0"/>
-              <a:t>2017-06-02</a:t>
+              <a:t>2017-06-13</a:t>
             </a:fld>
             <a:endParaRPr lang="ko-KR" altLang="en-US"/>
           </a:p>
@@ -1619,7 +1619,7 @@
           <a:p>
             <a:fld id="{43FAA443-3CA6-41F0-B76A-76D7FA8F6A76}" type="datetimeFigureOut">
               <a:rPr lang="ko-KR" altLang="en-US" smtClean="0"/>
-              <a:t>2017-06-02</a:t>
+              <a:t>2017-06-13</a:t>
             </a:fld>
             <a:endParaRPr lang="ko-KR" altLang="en-US"/>
           </a:p>
@@ -1737,7 +1737,7 @@
           <a:p>
             <a:fld id="{43FAA443-3CA6-41F0-B76A-76D7FA8F6A76}" type="datetimeFigureOut">
               <a:rPr lang="ko-KR" altLang="en-US" smtClean="0"/>
-              <a:t>2017-06-02</a:t>
+              <a:t>2017-06-13</a:t>
             </a:fld>
             <a:endParaRPr lang="ko-KR" altLang="en-US"/>
           </a:p>
@@ -1832,7 +1832,7 @@
           <a:p>
             <a:fld id="{43FAA443-3CA6-41F0-B76A-76D7FA8F6A76}" type="datetimeFigureOut">
               <a:rPr lang="ko-KR" altLang="en-US" smtClean="0"/>
-              <a:t>2017-06-02</a:t>
+              <a:t>2017-06-13</a:t>
             </a:fld>
             <a:endParaRPr lang="ko-KR" altLang="en-US"/>
           </a:p>
@@ -2109,7 +2109,7 @@
           <a:p>
             <a:fld id="{43FAA443-3CA6-41F0-B76A-76D7FA8F6A76}" type="datetimeFigureOut">
               <a:rPr lang="ko-KR" altLang="en-US" smtClean="0"/>
-              <a:t>2017-06-02</a:t>
+              <a:t>2017-06-13</a:t>
             </a:fld>
             <a:endParaRPr lang="ko-KR" altLang="en-US"/>
           </a:p>
@@ -2362,7 +2362,7 @@
           <a:p>
             <a:fld id="{43FAA443-3CA6-41F0-B76A-76D7FA8F6A76}" type="datetimeFigureOut">
               <a:rPr lang="ko-KR" altLang="en-US" smtClean="0"/>
-              <a:t>2017-06-02</a:t>
+              <a:t>2017-06-13</a:t>
             </a:fld>
             <a:endParaRPr lang="ko-KR" altLang="en-US"/>
           </a:p>
@@ -2575,7 +2575,7 @@
           <a:p>
             <a:fld id="{43FAA443-3CA6-41F0-B76A-76D7FA8F6A76}" type="datetimeFigureOut">
               <a:rPr lang="ko-KR" altLang="en-US" smtClean="0"/>
-              <a:t>2017-06-02</a:t>
+              <a:t>2017-06-13</a:t>
             </a:fld>
             <a:endParaRPr lang="ko-KR" altLang="en-US"/>
           </a:p>
@@ -3209,7 +3209,7 @@
           <p:nvPr>
             <p:extLst>
               <p:ext uri="{D42A27DB-BD31-4B8C-83A1-F6EECF244321}">
-                <p14:modId xmlns:p14="http://schemas.microsoft.com/office/powerpoint/2010/main" val="1244913628"/>
+                <p14:modId xmlns:p14="http://schemas.microsoft.com/office/powerpoint/2010/main" val="984195895"/>
               </p:ext>
             </p:extLst>
           </p:nvPr>
@@ -3306,6 +3306,10 @@
                     <a:lstStyle/>
                     <a:p>
                       <a:pPr latinLnBrk="1"/>
+                      <a:r>
+                        <a:rPr lang="en-US" altLang="ko-KR" dirty="0" smtClean="0"/>
+                        <a:t>#89BB00</a:t>
+                      </a:r>
                       <a:endParaRPr lang="ko-KR" altLang="en-US" dirty="0"/>
                     </a:p>
                   </a:txBody>

--- a/color.pptx
+++ b/color.pptx
@@ -254,7 +254,7 @@
           <a:p>
             <a:fld id="{43FAA443-3CA6-41F0-B76A-76D7FA8F6A76}" type="datetimeFigureOut">
               <a:rPr lang="ko-KR" altLang="en-US" smtClean="0"/>
-              <a:t>2017-06-13</a:t>
+              <a:t>2017-06-15</a:t>
             </a:fld>
             <a:endParaRPr lang="ko-KR" altLang="en-US"/>
           </a:p>
@@ -424,7 +424,7 @@
           <a:p>
             <a:fld id="{43FAA443-3CA6-41F0-B76A-76D7FA8F6A76}" type="datetimeFigureOut">
               <a:rPr lang="ko-KR" altLang="en-US" smtClean="0"/>
-              <a:t>2017-06-13</a:t>
+              <a:t>2017-06-15</a:t>
             </a:fld>
             <a:endParaRPr lang="ko-KR" altLang="en-US"/>
           </a:p>
@@ -604,7 +604,7 @@
           <a:p>
             <a:fld id="{43FAA443-3CA6-41F0-B76A-76D7FA8F6A76}" type="datetimeFigureOut">
               <a:rPr lang="ko-KR" altLang="en-US" smtClean="0"/>
-              <a:t>2017-06-13</a:t>
+              <a:t>2017-06-15</a:t>
             </a:fld>
             <a:endParaRPr lang="ko-KR" altLang="en-US"/>
           </a:p>
@@ -774,7 +774,7 @@
           <a:p>
             <a:fld id="{43FAA443-3CA6-41F0-B76A-76D7FA8F6A76}" type="datetimeFigureOut">
               <a:rPr lang="ko-KR" altLang="en-US" smtClean="0"/>
-              <a:t>2017-06-13</a:t>
+              <a:t>2017-06-15</a:t>
             </a:fld>
             <a:endParaRPr lang="ko-KR" altLang="en-US"/>
           </a:p>
@@ -1020,7 +1020,7 @@
           <a:p>
             <a:fld id="{43FAA443-3CA6-41F0-B76A-76D7FA8F6A76}" type="datetimeFigureOut">
               <a:rPr lang="ko-KR" altLang="en-US" smtClean="0"/>
-              <a:t>2017-06-13</a:t>
+              <a:t>2017-06-15</a:t>
             </a:fld>
             <a:endParaRPr lang="ko-KR" altLang="en-US"/>
           </a:p>
@@ -1252,7 +1252,7 @@
           <a:p>
             <a:fld id="{43FAA443-3CA6-41F0-B76A-76D7FA8F6A76}" type="datetimeFigureOut">
               <a:rPr lang="ko-KR" altLang="en-US" smtClean="0"/>
-              <a:t>2017-06-13</a:t>
+              <a:t>2017-06-15</a:t>
             </a:fld>
             <a:endParaRPr lang="ko-KR" altLang="en-US"/>
           </a:p>
@@ -1619,7 +1619,7 @@
           <a:p>
             <a:fld id="{43FAA443-3CA6-41F0-B76A-76D7FA8F6A76}" type="datetimeFigureOut">
               <a:rPr lang="ko-KR" altLang="en-US" smtClean="0"/>
-              <a:t>2017-06-13</a:t>
+              <a:t>2017-06-15</a:t>
             </a:fld>
             <a:endParaRPr lang="ko-KR" altLang="en-US"/>
           </a:p>
@@ -1737,7 +1737,7 @@
           <a:p>
             <a:fld id="{43FAA443-3CA6-41F0-B76A-76D7FA8F6A76}" type="datetimeFigureOut">
               <a:rPr lang="ko-KR" altLang="en-US" smtClean="0"/>
-              <a:t>2017-06-13</a:t>
+              <a:t>2017-06-15</a:t>
             </a:fld>
             <a:endParaRPr lang="ko-KR" altLang="en-US"/>
           </a:p>
@@ -1832,7 +1832,7 @@
           <a:p>
             <a:fld id="{43FAA443-3CA6-41F0-B76A-76D7FA8F6A76}" type="datetimeFigureOut">
               <a:rPr lang="ko-KR" altLang="en-US" smtClean="0"/>
-              <a:t>2017-06-13</a:t>
+              <a:t>2017-06-15</a:t>
             </a:fld>
             <a:endParaRPr lang="ko-KR" altLang="en-US"/>
           </a:p>
@@ -2109,7 +2109,7 @@
           <a:p>
             <a:fld id="{43FAA443-3CA6-41F0-B76A-76D7FA8F6A76}" type="datetimeFigureOut">
               <a:rPr lang="ko-KR" altLang="en-US" smtClean="0"/>
-              <a:t>2017-06-13</a:t>
+              <a:t>2017-06-15</a:t>
             </a:fld>
             <a:endParaRPr lang="ko-KR" altLang="en-US"/>
           </a:p>
@@ -2362,7 +2362,7 @@
           <a:p>
             <a:fld id="{43FAA443-3CA6-41F0-B76A-76D7FA8F6A76}" type="datetimeFigureOut">
               <a:rPr lang="ko-KR" altLang="en-US" smtClean="0"/>
-              <a:t>2017-06-13</a:t>
+              <a:t>2017-06-15</a:t>
             </a:fld>
             <a:endParaRPr lang="ko-KR" altLang="en-US"/>
           </a:p>
@@ -2575,7 +2575,7 @@
           <a:p>
             <a:fld id="{43FAA443-3CA6-41F0-B76A-76D7FA8F6A76}" type="datetimeFigureOut">
               <a:rPr lang="ko-KR" altLang="en-US" smtClean="0"/>
-              <a:t>2017-06-13</a:t>
+              <a:t>2017-06-15</a:t>
             </a:fld>
             <a:endParaRPr lang="ko-KR" altLang="en-US"/>
           </a:p>
@@ -3039,7 +3039,7 @@
           <p:nvPr>
             <p:extLst>
               <p:ext uri="{D42A27DB-BD31-4B8C-83A1-F6EECF244321}">
-                <p14:modId xmlns:p14="http://schemas.microsoft.com/office/powerpoint/2010/main" val="2388148256"/>
+                <p14:modId xmlns:p14="http://schemas.microsoft.com/office/powerpoint/2010/main" val="251363594"/>
               </p:ext>
             </p:extLst>
           </p:nvPr>
@@ -3106,6 +3106,10 @@
                     <a:lstStyle/>
                     <a:p>
                       <a:pPr latinLnBrk="1"/>
+                      <a:r>
+                        <a:rPr lang="en-US" altLang="ko-KR" smtClean="0"/>
+                        <a:t>#1C3B1A</a:t>
+                      </a:r>
                       <a:endParaRPr lang="ko-KR" altLang="en-US" dirty="0"/>
                     </a:p>
                   </a:txBody>
